--- a/Wine Quality Prediction Slides.pptx
+++ b/Wine Quality Prediction Slides.pptx
@@ -42,6 +42,13 @@
       <p:bold r:id="rId28"/>
       <p:italic r:id="rId29"/>
       <p:boldItalic r:id="rId30"/>
+    </p:embeddedFont>
+    <p:embeddedFont>
+      <p:font typeface="Lato"/>
+      <p:regular r:id="rId31"/>
+      <p:bold r:id="rId32"/>
+      <p:italic r:id="rId33"/>
+      <p:boldItalic r:id="rId34"/>
     </p:embeddedFont>
   </p:embeddedFontLst>
   <p:defaultTextStyle>
@@ -9803,7 +9810,7 @@
         </p:nvSpPr>
         <p:spPr>
           <a:xfrm>
-            <a:off x="311700" y="1017725"/>
+            <a:off x="362850" y="1017725"/>
             <a:ext cx="8520600" cy="3416400"/>
           </a:xfrm>
           <a:prstGeom prst="rect">
@@ -9812,7 +9819,7 @@
         </p:spPr>
         <p:txBody>
           <a:bodyPr anchorCtr="0" anchor="t" bIns="91425" lIns="91425" spcFirstLastPara="1" rIns="91425" wrap="square" tIns="91425">
-            <a:normAutofit fontScale="32500" lnSpcReduction="10000"/>
+            <a:normAutofit fontScale="25000" lnSpcReduction="20000"/>
           </a:bodyPr>
           <a:lstStyle/>
           <a:p>
@@ -9922,12 +9929,149 @@
               <a:buNone/>
             </a:pPr>
             <a:r>
+              <a:t/>
+            </a:r>
+            <a:endParaRPr b="1" sz="6000">
+              <a:solidFill>
+                <a:schemeClr val="dk1"/>
+              </a:solidFill>
+            </a:endParaRPr>
+          </a:p>
+          <a:p>
+            <a:pPr indent="0" lvl="0" marL="0" rtl="0" algn="l">
+              <a:spcBef>
+                <a:spcPts val="1200"/>
+              </a:spcBef>
+              <a:spcAft>
+                <a:spcPts val="0"/>
+              </a:spcAft>
+              <a:buNone/>
+            </a:pPr>
+            <a:r>
+              <a:rPr b="1" lang="en" sz="6000">
+                <a:solidFill>
+                  <a:schemeClr val="dk1"/>
+                </a:solidFill>
+              </a:rPr>
+              <a:t> Data Source: data.world</a:t>
+            </a:r>
+            <a:endParaRPr b="1" sz="6000">
+              <a:solidFill>
+                <a:schemeClr val="dk1"/>
+              </a:solidFill>
+            </a:endParaRPr>
+          </a:p>
+          <a:p>
+            <a:pPr indent="0" lvl="0" marL="0" rtl="0" algn="l">
+              <a:spcBef>
+                <a:spcPts val="1200"/>
+              </a:spcBef>
+              <a:spcAft>
+                <a:spcPts val="0"/>
+              </a:spcAft>
+              <a:buNone/>
+            </a:pPr>
+            <a:r>
+              <a:rPr b="1" lang="en" sz="5000">
+                <a:solidFill>
+                  <a:schemeClr val="dk1"/>
+                </a:solidFill>
+                <a:highlight>
+                  <a:srgbClr val="FFFFFF"/>
+                </a:highlight>
+                <a:latin typeface="Lato"/>
+                <a:ea typeface="Lato"/>
+                <a:cs typeface="Lato"/>
+                <a:sym typeface="Lato"/>
+              </a:rPr>
+              <a:t>The two datasets are related to red and white variants of the Portuguese "Vinho Verde" wine. </a:t>
+            </a:r>
+            <a:r>
+              <a:rPr b="1" lang="en" sz="5000">
+                <a:solidFill>
+                  <a:schemeClr val="dk1"/>
+                </a:solidFill>
+                <a:highlight>
+                  <a:srgbClr val="FFFFFF"/>
+                </a:highlight>
+              </a:rPr>
+              <a:t> Vinho Verde</a:t>
+            </a:r>
+            <a:r>
+              <a:rPr b="1" lang="en" sz="5000">
+                <a:solidFill>
+                  <a:srgbClr val="4E5057"/>
+                </a:solidFill>
+                <a:highlight>
+                  <a:srgbClr val="FFFFFF"/>
+                </a:highlight>
+              </a:rPr>
+              <a:t> </a:t>
+            </a:r>
+            <a:r>
+              <a:rPr b="1" lang="en" sz="5000">
+                <a:solidFill>
+                  <a:srgbClr val="1F2328"/>
+                </a:solidFill>
+                <a:highlight>
+                  <a:srgbClr val="FFFFFF"/>
+                </a:highlight>
+              </a:rPr>
+              <a:t>refers to Portuguese wine that originated in the historic Minho province in the far north of the country. </a:t>
+            </a:r>
+            <a:endParaRPr b="1" sz="5000">
+              <a:solidFill>
+                <a:srgbClr val="1F2328"/>
+              </a:solidFill>
+              <a:highlight>
+                <a:srgbClr val="FFFFFF"/>
+              </a:highlight>
+            </a:endParaRPr>
+          </a:p>
+          <a:p>
+            <a:pPr indent="0" lvl="0" marL="0" rtl="0" algn="l">
+              <a:spcBef>
+                <a:spcPts val="1200"/>
+              </a:spcBef>
+              <a:spcAft>
+                <a:spcPts val="0"/>
+              </a:spcAft>
+              <a:buNone/>
+            </a:pPr>
+            <a:r>
+              <a:rPr b="1" lang="en" sz="5000">
+                <a:solidFill>
+                  <a:srgbClr val="1F2328"/>
+                </a:solidFill>
+                <a:highlight>
+                  <a:srgbClr val="FFFFFF"/>
+                </a:highlight>
+              </a:rPr>
+              <a:t>The datasets had features like fixed acidity, volatile acidity, citric acid, residual sugar, chlorides, free sulphur dioxide, density total sulphur dioxide, pH, sulphates and alcohol.</a:t>
+            </a:r>
+            <a:endParaRPr b="1" sz="5000">
+              <a:solidFill>
+                <a:schemeClr val="dk1"/>
+              </a:solidFill>
+            </a:endParaRPr>
+          </a:p>
+          <a:p>
+            <a:pPr indent="0" lvl="0" marL="0" rtl="0" algn="l">
+              <a:spcBef>
+                <a:spcPts val="1200"/>
+              </a:spcBef>
+              <a:spcAft>
+                <a:spcPts val="0"/>
+              </a:spcAft>
+              <a:buNone/>
+            </a:pPr>
+            <a:r>
               <a:rPr b="1" lang="en" sz="1200">
                 <a:solidFill>
                   <a:schemeClr val="dk1"/>
                 </a:solidFill>
               </a:rPr>
-              <a:t>												</a:t>
+              <a:t>									</a:t>
             </a:r>
             <a:endParaRPr b="1" sz="1200">
               <a:solidFill>
@@ -9936,13 +10080,18 @@
             </a:endParaRPr>
           </a:p>
           <a:p>
-            <a:pPr indent="0" lvl="0" marL="0" rtl="0" algn="l">
+            <a:pPr indent="457200" lvl="0" marL="3200400" rtl="0" algn="l">
               <a:spcBef>
                 <a:spcPts val="1200"/>
               </a:spcBef>
               <a:spcAft>
                 <a:spcPts val="0"/>
               </a:spcAft>
+              <a:buClr>
+                <a:schemeClr val="dk1"/>
+              </a:buClr>
+              <a:buSzPct val="91666"/>
+              <a:buFont typeface="Arial"/>
               <a:buNone/>
             </a:pPr>
             <a:r>
@@ -9993,60 +10142,17 @@
             </a:endParaRPr>
           </a:p>
           <a:p>
-            <a:pPr indent="0" lvl="0" marL="0" rtl="0" algn="l">
+            <a:pPr indent="457200" lvl="0" marL="3200400" rtl="0" algn="l">
               <a:spcBef>
                 <a:spcPts val="1200"/>
               </a:spcBef>
               <a:spcAft>
-                <a:spcPts val="0"/>
+                <a:spcPts val="1200"/>
               </a:spcAft>
               <a:buNone/>
             </a:pPr>
             <a:r>
               <a:t/>
-            </a:r>
-            <a:endParaRPr b="1" sz="1200">
-              <a:solidFill>
-                <a:schemeClr val="dk1"/>
-              </a:solidFill>
-            </a:endParaRPr>
-          </a:p>
-          <a:p>
-            <a:pPr indent="0" lvl="0" marL="0" rtl="0" algn="l">
-              <a:spcBef>
-                <a:spcPts val="1200"/>
-              </a:spcBef>
-              <a:spcAft>
-                <a:spcPts val="0"/>
-              </a:spcAft>
-              <a:buNone/>
-            </a:pPr>
-            <a:r>
-              <a:t/>
-            </a:r>
-            <a:endParaRPr b="1" sz="1200">
-              <a:solidFill>
-                <a:schemeClr val="dk1"/>
-              </a:solidFill>
-            </a:endParaRPr>
-          </a:p>
-          <a:p>
-            <a:pPr indent="457200" lvl="0" marL="3200400" rtl="0" algn="l">
-              <a:spcBef>
-                <a:spcPts val="1200"/>
-              </a:spcBef>
-              <a:spcAft>
-                <a:spcPts val="1200"/>
-              </a:spcAft>
-              <a:buNone/>
-            </a:pPr>
-            <a:r>
-              <a:rPr b="1" lang="en" sz="4450">
-                <a:solidFill>
-                  <a:schemeClr val="dk1"/>
-                </a:solidFill>
-              </a:rPr>
-              <a:t>Data Source: data.world</a:t>
             </a:r>
             <a:endParaRPr b="1" sz="4450">
               <a:solidFill>
